--- a/document/social_preview.pptx
+++ b/document/social_preview.pptx
@@ -3001,8 +3001,8 @@
         </p:nvSpPr>
         <p:spPr>
           <a:xfrm>
-            <a:off x="6834875" y="4187282"/>
-            <a:ext cx="4618252" cy="769441"/>
+            <a:off x="6331758" y="4110338"/>
+            <a:ext cx="5624488" cy="923330"/>
           </a:xfrm>
           <a:prstGeom prst="rect">
             <a:avLst/>
@@ -3017,7 +3017,7 @@
           <a:p>
             <a:pPr algn="ctr"/>
             <a:r>
-              <a:rPr lang="en-US" sz="4400" b="1" dirty="0">
+              <a:rPr lang="en-US" sz="5400" b="1" dirty="0">
                 <a:solidFill>
                   <a:srgbClr val="FF0000"/>
                 </a:solidFill>
@@ -3026,7 +3026,7 @@
               <a:t>A</a:t>
             </a:r>
             <a:r>
-              <a:rPr lang="en-US" sz="4400" b="1" dirty="0">
+              <a:rPr lang="en-US" sz="5400" b="1" dirty="0">
                 <a:solidFill>
                   <a:schemeClr val="tx1">
                     <a:lumMod val="75000"/>
@@ -3038,7 +3038,7 @@
               <a:t>bdomen</a:t>
             </a:r>
             <a:r>
-              <a:rPr lang="en-US" sz="4400" b="1" dirty="0">
+              <a:rPr lang="en-US" sz="5400" b="1" dirty="0">
                 <a:solidFill>
                   <a:srgbClr val="FF0000"/>
                 </a:solidFill>
@@ -3047,7 +3047,7 @@
               <a:t>A</a:t>
             </a:r>
             <a:r>
-              <a:rPr lang="en-US" sz="4400" b="1" dirty="0">
+              <a:rPr lang="en-US" sz="5400" b="1" dirty="0">
                 <a:solidFill>
                   <a:schemeClr val="tx1">
                     <a:lumMod val="75000"/>
